--- a/Presentation1.pptx
+++ b/Presentation1.pptx
@@ -10,6 +10,7 @@
     <p:sldId id="258" r:id="rId4"/>
     <p:sldId id="259" r:id="rId5"/>
     <p:sldId id="260" r:id="rId6"/>
+    <p:sldId id="261" r:id="rId7"/>
   </p:sldIdLst>
   <p:sldSz cx="12192000" cy="6858000"/>
   <p:notesSz cx="6858000" cy="9144000"/>
@@ -108,7 +109,16 @@
       </a:defRPr>
     </a:lvl9pPr>
   </p:defaultTextStyle>
+  <p:extLst>
+    <p:ext uri="{EFAFB233-063F-42B5-8137-9DF3F51BA10A}">
+      <p15:sldGuideLst xmlns:p15="http://schemas.microsoft.com/office/powerpoint/2012/main"/>
+    </p:ext>
+  </p:extLst>
 </p:presentation>
+</file>
+
+<file path=ppt/revisionInfo.xml><?xml version="1.0" encoding="utf-8"?>
+<p1510:revInfo xmlns:a="http://schemas.openxmlformats.org/drawingml/2006/main" xmlns:r="http://schemas.openxmlformats.org/officeDocument/2006/relationships" xmlns:p1510="http://schemas.microsoft.com/office/powerpoint/2015/10/main"/>
 </file>
 
 <file path=ppt/slideLayouts/slideLayout1.xml><?xml version="1.0" encoding="utf-8"?>
@@ -258,7 +268,7 @@
           <a:p>
             <a:fld id="{187A2D49-D77E-476E-9240-0A9FE9E900A1}" type="datetimeFigureOut">
               <a:rPr lang="en-US" smtClean="0"/>
-              <a:t>12/17/2017</a:t>
+              <a:t>1/29/2018</a:t>
             </a:fld>
             <a:endParaRPr lang="en-US"/>
           </a:p>
@@ -456,7 +466,7 @@
           <a:p>
             <a:fld id="{187A2D49-D77E-476E-9240-0A9FE9E900A1}" type="datetimeFigureOut">
               <a:rPr lang="en-US" smtClean="0"/>
-              <a:t>12/17/2017</a:t>
+              <a:t>1/29/2018</a:t>
             </a:fld>
             <a:endParaRPr lang="en-US"/>
           </a:p>
@@ -664,7 +674,7 @@
           <a:p>
             <a:fld id="{187A2D49-D77E-476E-9240-0A9FE9E900A1}" type="datetimeFigureOut">
               <a:rPr lang="en-US" smtClean="0"/>
-              <a:t>12/17/2017</a:t>
+              <a:t>1/29/2018</a:t>
             </a:fld>
             <a:endParaRPr lang="en-US"/>
           </a:p>
@@ -862,7 +872,7 @@
           <a:p>
             <a:fld id="{187A2D49-D77E-476E-9240-0A9FE9E900A1}" type="datetimeFigureOut">
               <a:rPr lang="en-US" smtClean="0"/>
-              <a:t>12/17/2017</a:t>
+              <a:t>1/29/2018</a:t>
             </a:fld>
             <a:endParaRPr lang="en-US"/>
           </a:p>
@@ -1137,7 +1147,7 @@
           <a:p>
             <a:fld id="{187A2D49-D77E-476E-9240-0A9FE9E900A1}" type="datetimeFigureOut">
               <a:rPr lang="en-US" smtClean="0"/>
-              <a:t>12/17/2017</a:t>
+              <a:t>1/29/2018</a:t>
             </a:fld>
             <a:endParaRPr lang="en-US"/>
           </a:p>
@@ -1402,7 +1412,7 @@
           <a:p>
             <a:fld id="{187A2D49-D77E-476E-9240-0A9FE9E900A1}" type="datetimeFigureOut">
               <a:rPr lang="en-US" smtClean="0"/>
-              <a:t>12/17/2017</a:t>
+              <a:t>1/29/2018</a:t>
             </a:fld>
             <a:endParaRPr lang="en-US"/>
           </a:p>
@@ -1814,7 +1824,7 @@
           <a:p>
             <a:fld id="{187A2D49-D77E-476E-9240-0A9FE9E900A1}" type="datetimeFigureOut">
               <a:rPr lang="en-US" smtClean="0"/>
-              <a:t>12/17/2017</a:t>
+              <a:t>1/29/2018</a:t>
             </a:fld>
             <a:endParaRPr lang="en-US"/>
           </a:p>
@@ -1955,7 +1965,7 @@
           <a:p>
             <a:fld id="{187A2D49-D77E-476E-9240-0A9FE9E900A1}" type="datetimeFigureOut">
               <a:rPr lang="en-US" smtClean="0"/>
-              <a:t>12/17/2017</a:t>
+              <a:t>1/29/2018</a:t>
             </a:fld>
             <a:endParaRPr lang="en-US"/>
           </a:p>
@@ -2068,7 +2078,7 @@
           <a:p>
             <a:fld id="{187A2D49-D77E-476E-9240-0A9FE9E900A1}" type="datetimeFigureOut">
               <a:rPr lang="en-US" smtClean="0"/>
-              <a:t>12/17/2017</a:t>
+              <a:t>1/29/2018</a:t>
             </a:fld>
             <a:endParaRPr lang="en-US"/>
           </a:p>
@@ -2379,7 +2389,7 @@
           <a:p>
             <a:fld id="{187A2D49-D77E-476E-9240-0A9FE9E900A1}" type="datetimeFigureOut">
               <a:rPr lang="en-US" smtClean="0"/>
-              <a:t>12/17/2017</a:t>
+              <a:t>1/29/2018</a:t>
             </a:fld>
             <a:endParaRPr lang="en-US"/>
           </a:p>
@@ -2667,7 +2677,7 @@
           <a:p>
             <a:fld id="{187A2D49-D77E-476E-9240-0A9FE9E900A1}" type="datetimeFigureOut">
               <a:rPr lang="en-US" smtClean="0"/>
-              <a:t>12/17/2017</a:t>
+              <a:t>1/29/2018</a:t>
             </a:fld>
             <a:endParaRPr lang="en-US"/>
           </a:p>
@@ -2908,7 +2918,7 @@
           <a:p>
             <a:fld id="{187A2D49-D77E-476E-9240-0A9FE9E900A1}" type="datetimeFigureOut">
               <a:rPr lang="en-US" smtClean="0"/>
-              <a:t>12/17/2017</a:t>
+              <a:t>1/29/2018</a:t>
             </a:fld>
             <a:endParaRPr lang="en-US"/>
           </a:p>
@@ -4563,6 +4573,99 @@
 </p:sld>
 </file>
 
+<file path=ppt/slides/slide6.xml><?xml version="1.0" encoding="utf-8"?>
+<p:sld xmlns:a="http://schemas.openxmlformats.org/drawingml/2006/main" xmlns:r="http://schemas.openxmlformats.org/officeDocument/2006/relationships" xmlns:p="http://schemas.openxmlformats.org/presentationml/2006/main">
+  <p:cSld>
+    <p:spTree>
+      <p:nvGrpSpPr>
+        <p:cNvPr id="1" name=""/>
+        <p:cNvGrpSpPr/>
+        <p:nvPr/>
+      </p:nvGrpSpPr>
+      <p:grpSpPr>
+        <a:xfrm>
+          <a:off x="0" y="0"/>
+          <a:ext cx="0" cy="0"/>
+          <a:chOff x="0" y="0"/>
+          <a:chExt cx="0" cy="0"/>
+        </a:xfrm>
+      </p:grpSpPr>
+      <p:sp>
+        <p:nvSpPr>
+          <p:cNvPr id="2" name="Thought Bubble: Cloud 1">
+            <a:extLst>
+              <a:ext uri="{FF2B5EF4-FFF2-40B4-BE49-F238E27FC236}">
+                <a16:creationId xmlns:a16="http://schemas.microsoft.com/office/drawing/2014/main" id="{E77752C6-E469-4D8A-867E-FF82C5498F31}"/>
+              </a:ext>
+            </a:extLst>
+          </p:cNvPr>
+          <p:cNvSpPr/>
+          <p:nvPr/>
+        </p:nvSpPr>
+        <p:spPr>
+          <a:xfrm>
+            <a:off x="4534132" y="3565700"/>
+            <a:ext cx="3562612" cy="1549654"/>
+          </a:xfrm>
+          <a:prstGeom prst="cloudCallout">
+            <a:avLst>
+              <a:gd name="adj1" fmla="val -42102"/>
+              <a:gd name="adj2" fmla="val 30921"/>
+            </a:avLst>
+          </a:prstGeom>
+          <a:solidFill>
+            <a:schemeClr val="accent6">
+              <a:lumMod val="20000"/>
+              <a:lumOff val="80000"/>
+            </a:schemeClr>
+          </a:solidFill>
+          <a:ln>
+            <a:noFill/>
+          </a:ln>
+        </p:spPr>
+        <p:style>
+          <a:lnRef idx="2">
+            <a:schemeClr val="accent1">
+              <a:shade val="50000"/>
+            </a:schemeClr>
+          </a:lnRef>
+          <a:fillRef idx="1">
+            <a:schemeClr val="accent1"/>
+          </a:fillRef>
+          <a:effectRef idx="0">
+            <a:schemeClr val="accent1"/>
+          </a:effectRef>
+          <a:fontRef idx="minor">
+            <a:schemeClr val="lt1"/>
+          </a:fontRef>
+        </p:style>
+        <p:txBody>
+          <a:bodyPr rtlCol="0" anchor="ctr"/>
+          <a:lstStyle/>
+          <a:p>
+            <a:pPr algn="ctr"/>
+            <a:r>
+              <a:rPr lang="en-US" sz="4400" dirty="0">
+                <a:latin typeface="Bauhaus 93" panose="04030905020B02020C02" pitchFamily="82" charset="0"/>
+              </a:rPr>
+              <a:t>My Blog</a:t>
+            </a:r>
+          </a:p>
+        </p:txBody>
+      </p:sp>
+    </p:spTree>
+    <p:extLst>
+      <p:ext uri="{BB962C8B-B14F-4D97-AF65-F5344CB8AC3E}">
+        <p14:creationId xmlns:p14="http://schemas.microsoft.com/office/powerpoint/2010/main" val="477751747"/>
+      </p:ext>
+    </p:extLst>
+  </p:cSld>
+  <p:clrMapOvr>
+    <a:masterClrMapping/>
+  </p:clrMapOvr>
+</p:sld>
+</file>
+
 <file path=ppt/theme/theme1.xml><?xml version="1.0" encoding="utf-8"?>
 <a:theme xmlns:a="http://schemas.openxmlformats.org/drawingml/2006/main" name="Office Theme">
   <a:themeElements>

--- a/Presentation1.pptx
+++ b/Presentation1.pptx
@@ -11,6 +11,7 @@
     <p:sldId id="259" r:id="rId5"/>
     <p:sldId id="260" r:id="rId6"/>
     <p:sldId id="261" r:id="rId7"/>
+    <p:sldId id="262" r:id="rId8"/>
   </p:sldIdLst>
   <p:sldSz cx="12192000" cy="6858000"/>
   <p:notesSz cx="6858000" cy="9144000"/>
@@ -117,10 +118,6 @@
 </p:presentation>
 </file>
 
-<file path=ppt/revisionInfo.xml><?xml version="1.0" encoding="utf-8"?>
-<p1510:revInfo xmlns:a="http://schemas.openxmlformats.org/drawingml/2006/main" xmlns:r="http://schemas.openxmlformats.org/officeDocument/2006/relationships" xmlns:p1510="http://schemas.microsoft.com/office/powerpoint/2015/10/main"/>
-</file>
-
 <file path=ppt/slideLayouts/slideLayout1.xml><?xml version="1.0" encoding="utf-8"?>
 <p:sldLayout xmlns:a="http://schemas.openxmlformats.org/drawingml/2006/main" xmlns:r="http://schemas.openxmlformats.org/officeDocument/2006/relationships" xmlns:p="http://schemas.openxmlformats.org/presentationml/2006/main" type="title" preserve="1">
   <p:cSld name="Title Slide">
@@ -268,7 +265,7 @@
           <a:p>
             <a:fld id="{187A2D49-D77E-476E-9240-0A9FE9E900A1}" type="datetimeFigureOut">
               <a:rPr lang="en-US" smtClean="0"/>
-              <a:t>1/29/2018</a:t>
+              <a:t>2/17/2018</a:t>
             </a:fld>
             <a:endParaRPr lang="en-US"/>
           </a:p>
@@ -466,7 +463,7 @@
           <a:p>
             <a:fld id="{187A2D49-D77E-476E-9240-0A9FE9E900A1}" type="datetimeFigureOut">
               <a:rPr lang="en-US" smtClean="0"/>
-              <a:t>1/29/2018</a:t>
+              <a:t>2/17/2018</a:t>
             </a:fld>
             <a:endParaRPr lang="en-US"/>
           </a:p>
@@ -674,7 +671,7 @@
           <a:p>
             <a:fld id="{187A2D49-D77E-476E-9240-0A9FE9E900A1}" type="datetimeFigureOut">
               <a:rPr lang="en-US" smtClean="0"/>
-              <a:t>1/29/2018</a:t>
+              <a:t>2/17/2018</a:t>
             </a:fld>
             <a:endParaRPr lang="en-US"/>
           </a:p>
@@ -872,7 +869,7 @@
           <a:p>
             <a:fld id="{187A2D49-D77E-476E-9240-0A9FE9E900A1}" type="datetimeFigureOut">
               <a:rPr lang="en-US" smtClean="0"/>
-              <a:t>1/29/2018</a:t>
+              <a:t>2/17/2018</a:t>
             </a:fld>
             <a:endParaRPr lang="en-US"/>
           </a:p>
@@ -1147,7 +1144,7 @@
           <a:p>
             <a:fld id="{187A2D49-D77E-476E-9240-0A9FE9E900A1}" type="datetimeFigureOut">
               <a:rPr lang="en-US" smtClean="0"/>
-              <a:t>1/29/2018</a:t>
+              <a:t>2/17/2018</a:t>
             </a:fld>
             <a:endParaRPr lang="en-US"/>
           </a:p>
@@ -1412,7 +1409,7 @@
           <a:p>
             <a:fld id="{187A2D49-D77E-476E-9240-0A9FE9E900A1}" type="datetimeFigureOut">
               <a:rPr lang="en-US" smtClean="0"/>
-              <a:t>1/29/2018</a:t>
+              <a:t>2/17/2018</a:t>
             </a:fld>
             <a:endParaRPr lang="en-US"/>
           </a:p>
@@ -1824,7 +1821,7 @@
           <a:p>
             <a:fld id="{187A2D49-D77E-476E-9240-0A9FE9E900A1}" type="datetimeFigureOut">
               <a:rPr lang="en-US" smtClean="0"/>
-              <a:t>1/29/2018</a:t>
+              <a:t>2/17/2018</a:t>
             </a:fld>
             <a:endParaRPr lang="en-US"/>
           </a:p>
@@ -1965,7 +1962,7 @@
           <a:p>
             <a:fld id="{187A2D49-D77E-476E-9240-0A9FE9E900A1}" type="datetimeFigureOut">
               <a:rPr lang="en-US" smtClean="0"/>
-              <a:t>1/29/2018</a:t>
+              <a:t>2/17/2018</a:t>
             </a:fld>
             <a:endParaRPr lang="en-US"/>
           </a:p>
@@ -2078,7 +2075,7 @@
           <a:p>
             <a:fld id="{187A2D49-D77E-476E-9240-0A9FE9E900A1}" type="datetimeFigureOut">
               <a:rPr lang="en-US" smtClean="0"/>
-              <a:t>1/29/2018</a:t>
+              <a:t>2/17/2018</a:t>
             </a:fld>
             <a:endParaRPr lang="en-US"/>
           </a:p>
@@ -2389,7 +2386,7 @@
           <a:p>
             <a:fld id="{187A2D49-D77E-476E-9240-0A9FE9E900A1}" type="datetimeFigureOut">
               <a:rPr lang="en-US" smtClean="0"/>
-              <a:t>1/29/2018</a:t>
+              <a:t>2/17/2018</a:t>
             </a:fld>
             <a:endParaRPr lang="en-US"/>
           </a:p>
@@ -2677,7 +2674,7 @@
           <a:p>
             <a:fld id="{187A2D49-D77E-476E-9240-0A9FE9E900A1}" type="datetimeFigureOut">
               <a:rPr lang="en-US" smtClean="0"/>
-              <a:t>1/29/2018</a:t>
+              <a:t>2/17/2018</a:t>
             </a:fld>
             <a:endParaRPr lang="en-US"/>
           </a:p>
@@ -2918,7 +2915,7 @@
           <a:p>
             <a:fld id="{187A2D49-D77E-476E-9240-0A9FE9E900A1}" type="datetimeFigureOut">
               <a:rPr lang="en-US" smtClean="0"/>
-              <a:t>1/29/2018</a:t>
+              <a:t>2/17/2018</a:t>
             </a:fld>
             <a:endParaRPr lang="en-US"/>
           </a:p>
@@ -4666,6 +4663,90 @@
 </p:sld>
 </file>
 
+<file path=ppt/slides/slide7.xml><?xml version="1.0" encoding="utf-8"?>
+<p:sld xmlns:a="http://schemas.openxmlformats.org/drawingml/2006/main" xmlns:r="http://schemas.openxmlformats.org/officeDocument/2006/relationships" xmlns:p="http://schemas.openxmlformats.org/presentationml/2006/main">
+  <p:cSld>
+    <p:spTree>
+      <p:nvGrpSpPr>
+        <p:cNvPr id="1" name=""/>
+        <p:cNvGrpSpPr/>
+        <p:nvPr/>
+      </p:nvGrpSpPr>
+      <p:grpSpPr>
+        <a:xfrm>
+          <a:off x="0" y="0"/>
+          <a:ext cx="0" cy="0"/>
+          <a:chOff x="0" y="0"/>
+          <a:chExt cx="0" cy="0"/>
+        </a:xfrm>
+      </p:grpSpPr>
+      <p:pic>
+        <p:nvPicPr>
+          <p:cNvPr id="1026" name="Picture 2" descr="Image result for slingshot icon">
+            <a:extLst>
+              <a:ext uri="{FF2B5EF4-FFF2-40B4-BE49-F238E27FC236}">
+                <a16:creationId xmlns:a16="http://schemas.microsoft.com/office/drawing/2014/main" id="{72B353DA-0DE6-4013-89ED-1CDC92F8E304}"/>
+              </a:ext>
+            </a:extLst>
+          </p:cNvPr>
+          <p:cNvPicPr>
+            <a:picLocks noChangeAspect="1" noChangeArrowheads="1"/>
+          </p:cNvPicPr>
+          <p:nvPr/>
+        </p:nvPicPr>
+        <p:blipFill rotWithShape="1">
+          <a:blip r:embed="rId2">
+            <a:extLst>
+              <a:ext uri="{BEBA8EAE-BF5A-486C-A8C5-ECC9F3942E4B}">
+                <a14:imgProps xmlns:a14="http://schemas.microsoft.com/office/drawing/2010/main">
+                  <a14:imgLayer r:embed="rId3">
+                    <a14:imgEffect>
+                      <a14:backgroundRemoval t="10000" b="90000" l="10000" r="90000"/>
+                    </a14:imgEffect>
+                  </a14:imgLayer>
+                </a14:imgProps>
+              </a:ext>
+              <a:ext uri="{28A0092B-C50C-407E-A947-70E740481C1C}">
+                <a14:useLocalDpi xmlns:a14="http://schemas.microsoft.com/office/drawing/2010/main" val="0"/>
+              </a:ext>
+            </a:extLst>
+          </a:blip>
+          <a:srcRect l="16908" t="14186" r="27440" b="18104"/>
+          <a:stretch/>
+        </p:blipFill>
+        <p:spPr bwMode="auto">
+          <a:xfrm>
+            <a:off x="4545496" y="2001077"/>
+            <a:ext cx="1060174" cy="967409"/>
+          </a:xfrm>
+          <a:prstGeom prst="rect">
+            <a:avLst/>
+          </a:prstGeom>
+          <a:noFill/>
+          <a:extLst>
+            <a:ext uri="{909E8E84-426E-40DD-AFC4-6F175D3DCCD1}">
+              <a14:hiddenFill xmlns:a14="http://schemas.microsoft.com/office/drawing/2010/main">
+                <a:solidFill>
+                  <a:srgbClr val="FFFFFF"/>
+                </a:solidFill>
+              </a14:hiddenFill>
+            </a:ext>
+          </a:extLst>
+        </p:spPr>
+      </p:pic>
+    </p:spTree>
+    <p:extLst>
+      <p:ext uri="{BB962C8B-B14F-4D97-AF65-F5344CB8AC3E}">
+        <p14:creationId xmlns:p14="http://schemas.microsoft.com/office/powerpoint/2010/main" val="2654825380"/>
+      </p:ext>
+    </p:extLst>
+  </p:cSld>
+  <p:clrMapOvr>
+    <a:masterClrMapping/>
+  </p:clrMapOvr>
+</p:sld>
+</file>
+
 <file path=ppt/theme/theme1.xml><?xml version="1.0" encoding="utf-8"?>
 <a:theme xmlns:a="http://schemas.openxmlformats.org/drawingml/2006/main" name="Office Theme">
   <a:themeElements>

--- a/Presentation1.pptx
+++ b/Presentation1.pptx
@@ -265,7 +265,7 @@
           <a:p>
             <a:fld id="{187A2D49-D77E-476E-9240-0A9FE9E900A1}" type="datetimeFigureOut">
               <a:rPr lang="en-US" smtClean="0"/>
-              <a:t>2/17/2018</a:t>
+              <a:t>3/20/2021</a:t>
             </a:fld>
             <a:endParaRPr lang="en-US"/>
           </a:p>
@@ -463,7 +463,7 @@
           <a:p>
             <a:fld id="{187A2D49-D77E-476E-9240-0A9FE9E900A1}" type="datetimeFigureOut">
               <a:rPr lang="en-US" smtClean="0"/>
-              <a:t>2/17/2018</a:t>
+              <a:t>3/20/2021</a:t>
             </a:fld>
             <a:endParaRPr lang="en-US"/>
           </a:p>
@@ -671,7 +671,7 @@
           <a:p>
             <a:fld id="{187A2D49-D77E-476E-9240-0A9FE9E900A1}" type="datetimeFigureOut">
               <a:rPr lang="en-US" smtClean="0"/>
-              <a:t>2/17/2018</a:t>
+              <a:t>3/20/2021</a:t>
             </a:fld>
             <a:endParaRPr lang="en-US"/>
           </a:p>
@@ -869,7 +869,7 @@
           <a:p>
             <a:fld id="{187A2D49-D77E-476E-9240-0A9FE9E900A1}" type="datetimeFigureOut">
               <a:rPr lang="en-US" smtClean="0"/>
-              <a:t>2/17/2018</a:t>
+              <a:t>3/20/2021</a:t>
             </a:fld>
             <a:endParaRPr lang="en-US"/>
           </a:p>
@@ -1144,7 +1144,7 @@
           <a:p>
             <a:fld id="{187A2D49-D77E-476E-9240-0A9FE9E900A1}" type="datetimeFigureOut">
               <a:rPr lang="en-US" smtClean="0"/>
-              <a:t>2/17/2018</a:t>
+              <a:t>3/20/2021</a:t>
             </a:fld>
             <a:endParaRPr lang="en-US"/>
           </a:p>
@@ -1409,7 +1409,7 @@
           <a:p>
             <a:fld id="{187A2D49-D77E-476E-9240-0A9FE9E900A1}" type="datetimeFigureOut">
               <a:rPr lang="en-US" smtClean="0"/>
-              <a:t>2/17/2018</a:t>
+              <a:t>3/20/2021</a:t>
             </a:fld>
             <a:endParaRPr lang="en-US"/>
           </a:p>
@@ -1821,7 +1821,7 @@
           <a:p>
             <a:fld id="{187A2D49-D77E-476E-9240-0A9FE9E900A1}" type="datetimeFigureOut">
               <a:rPr lang="en-US" smtClean="0"/>
-              <a:t>2/17/2018</a:t>
+              <a:t>3/20/2021</a:t>
             </a:fld>
             <a:endParaRPr lang="en-US"/>
           </a:p>
@@ -1962,7 +1962,7 @@
           <a:p>
             <a:fld id="{187A2D49-D77E-476E-9240-0A9FE9E900A1}" type="datetimeFigureOut">
               <a:rPr lang="en-US" smtClean="0"/>
-              <a:t>2/17/2018</a:t>
+              <a:t>3/20/2021</a:t>
             </a:fld>
             <a:endParaRPr lang="en-US"/>
           </a:p>
@@ -2075,7 +2075,7 @@
           <a:p>
             <a:fld id="{187A2D49-D77E-476E-9240-0A9FE9E900A1}" type="datetimeFigureOut">
               <a:rPr lang="en-US" smtClean="0"/>
-              <a:t>2/17/2018</a:t>
+              <a:t>3/20/2021</a:t>
             </a:fld>
             <a:endParaRPr lang="en-US"/>
           </a:p>
@@ -2386,7 +2386,7 @@
           <a:p>
             <a:fld id="{187A2D49-D77E-476E-9240-0A9FE9E900A1}" type="datetimeFigureOut">
               <a:rPr lang="en-US" smtClean="0"/>
-              <a:t>2/17/2018</a:t>
+              <a:t>3/20/2021</a:t>
             </a:fld>
             <a:endParaRPr lang="en-US"/>
           </a:p>
@@ -2674,7 +2674,7 @@
           <a:p>
             <a:fld id="{187A2D49-D77E-476E-9240-0A9FE9E900A1}" type="datetimeFigureOut">
               <a:rPr lang="en-US" smtClean="0"/>
-              <a:t>2/17/2018</a:t>
+              <a:t>3/20/2021</a:t>
             </a:fld>
             <a:endParaRPr lang="en-US"/>
           </a:p>
@@ -2915,7 +2915,7 @@
           <a:p>
             <a:fld id="{187A2D49-D77E-476E-9240-0A9FE9E900A1}" type="datetimeFigureOut">
               <a:rPr lang="en-US" smtClean="0"/>
-              <a:t>2/17/2018</a:t>
+              <a:t>3/20/2021</a:t>
             </a:fld>
             <a:endParaRPr lang="en-US"/>
           </a:p>
@@ -4734,6 +4734,161 @@
           </a:extLst>
         </p:spPr>
       </p:pic>
+      <p:sp>
+        <p:nvSpPr>
+          <p:cNvPr id="2" name="TextBox 1">
+            <a:extLst>
+              <a:ext uri="{FF2B5EF4-FFF2-40B4-BE49-F238E27FC236}">
+                <a16:creationId xmlns:a16="http://schemas.microsoft.com/office/drawing/2014/main" id="{7C223D47-9944-473F-9BFA-5F7F401F6C03}"/>
+              </a:ext>
+            </a:extLst>
+          </p:cNvPr>
+          <p:cNvSpPr txBox="1"/>
+          <p:nvPr/>
+        </p:nvSpPr>
+        <p:spPr>
+          <a:xfrm rot="20292686">
+            <a:off x="5581116" y="4364597"/>
+            <a:ext cx="756938" cy="1107996"/>
+          </a:xfrm>
+          <a:prstGeom prst="rect">
+            <a:avLst/>
+          </a:prstGeom>
+          <a:noFill/>
+        </p:spPr>
+        <p:txBody>
+          <a:bodyPr wrap="none" rtlCol="0">
+            <a:spAutoFit/>
+          </a:bodyPr>
+          <a:lstStyle/>
+          <a:p>
+            <a:r>
+              <a:rPr lang="en-IN" sz="6600" dirty="0">
+                <a:solidFill>
+                  <a:srgbClr val="7030A0"/>
+                </a:solidFill>
+                <a:latin typeface="Bembo" panose="02020502050201020203" pitchFamily="18" charset="0"/>
+              </a:rPr>
+              <a:t>A</a:t>
+            </a:r>
+          </a:p>
+        </p:txBody>
+      </p:sp>
+      <p:sp>
+        <p:nvSpPr>
+          <p:cNvPr id="4" name="TextBox 3">
+            <a:extLst>
+              <a:ext uri="{FF2B5EF4-FFF2-40B4-BE49-F238E27FC236}">
+                <a16:creationId xmlns:a16="http://schemas.microsoft.com/office/drawing/2014/main" id="{401E1C48-4508-46ED-9CC1-B323B064A98A}"/>
+              </a:ext>
+            </a:extLst>
+          </p:cNvPr>
+          <p:cNvSpPr txBox="1"/>
+          <p:nvPr/>
+        </p:nvSpPr>
+        <p:spPr>
+          <a:xfrm rot="21192686">
+            <a:off x="5833017" y="4078847"/>
+            <a:ext cx="862737" cy="1107996"/>
+          </a:xfrm>
+          <a:prstGeom prst="rect">
+            <a:avLst/>
+          </a:prstGeom>
+          <a:noFill/>
+        </p:spPr>
+        <p:txBody>
+          <a:bodyPr wrap="none" rtlCol="0">
+            <a:spAutoFit/>
+          </a:bodyPr>
+          <a:lstStyle/>
+          <a:p>
+            <a:r>
+              <a:rPr lang="en-IN" sz="6600" dirty="0">
+                <a:solidFill>
+                  <a:srgbClr val="7030A0"/>
+                </a:solidFill>
+                <a:latin typeface="Bembo" panose="02020502050201020203" pitchFamily="18" charset="0"/>
+              </a:rPr>
+              <a:t>R</a:t>
+            </a:r>
+          </a:p>
+        </p:txBody>
+      </p:sp>
+      <p:sp>
+        <p:nvSpPr>
+          <p:cNvPr id="5" name="TextBox 4">
+            <a:extLst>
+              <a:ext uri="{FF2B5EF4-FFF2-40B4-BE49-F238E27FC236}">
+                <a16:creationId xmlns:a16="http://schemas.microsoft.com/office/drawing/2014/main" id="{D04609DE-FE38-4808-952A-44034C000C6E}"/>
+              </a:ext>
+            </a:extLst>
+          </p:cNvPr>
+          <p:cNvSpPr txBox="1"/>
+          <p:nvPr/>
+        </p:nvSpPr>
+        <p:spPr>
+          <a:xfrm rot="492686">
+            <a:off x="6228723" y="4288397"/>
+            <a:ext cx="776175" cy="1107996"/>
+          </a:xfrm>
+          <a:prstGeom prst="rect">
+            <a:avLst/>
+          </a:prstGeom>
+          <a:noFill/>
+        </p:spPr>
+        <p:txBody>
+          <a:bodyPr wrap="none" rtlCol="0">
+            <a:spAutoFit/>
+          </a:bodyPr>
+          <a:lstStyle/>
+          <a:p>
+            <a:r>
+              <a:rPr lang="en-IN" sz="6600" dirty="0">
+                <a:solidFill>
+                  <a:srgbClr val="7030A0"/>
+                </a:solidFill>
+                <a:latin typeface="Bembo" panose="02020502050201020203" pitchFamily="18" charset="0"/>
+              </a:rPr>
+              <a:t>K</a:t>
+            </a:r>
+          </a:p>
+        </p:txBody>
+      </p:sp>
+      <p:sp>
+        <p:nvSpPr>
+          <p:cNvPr id="3" name="TextBox 2">
+            <a:extLst>
+              <a:ext uri="{FF2B5EF4-FFF2-40B4-BE49-F238E27FC236}">
+                <a16:creationId xmlns:a16="http://schemas.microsoft.com/office/drawing/2014/main" id="{385C6AB4-AA69-4A96-B1AF-161EC594F82F}"/>
+              </a:ext>
+            </a:extLst>
+          </p:cNvPr>
+          <p:cNvSpPr txBox="1"/>
+          <p:nvPr/>
+        </p:nvSpPr>
+        <p:spPr>
+          <a:xfrm>
+            <a:off x="8124825" y="2733675"/>
+            <a:ext cx="1676400" cy="369332"/>
+          </a:xfrm>
+          <a:prstGeom prst="rect">
+            <a:avLst/>
+          </a:prstGeom>
+          <a:noFill/>
+        </p:spPr>
+        <p:txBody>
+          <a:bodyPr wrap="square" rtlCol="0">
+            <a:spAutoFit/>
+          </a:bodyPr>
+          <a:lstStyle/>
+          <a:p>
+            <a:r>
+              <a:rPr lang="en-IN" dirty="0"/>
+              <a:t>RAPID</a:t>
+            </a:r>
+          </a:p>
+        </p:txBody>
+      </p:sp>
     </p:spTree>
     <p:extLst>
       <p:ext uri="{BB962C8B-B14F-4D97-AF65-F5344CB8AC3E}">
